--- a/docs/prezentacja IoT.pptx
+++ b/docs/prezentacja IoT.pptx
@@ -10,7 +10,9 @@
     <p:sldId id="278" r:id="rId4"/>
     <p:sldId id="279" r:id="rId5"/>
     <p:sldId id="280" r:id="rId6"/>
-    <p:sldId id="276" r:id="rId7"/>
+    <p:sldId id="282" r:id="rId7"/>
+    <p:sldId id="281" r:id="rId8"/>
+    <p:sldId id="276" r:id="rId9"/>
   </p:sldIdLst>
   <p:sldSz cx="12192000" cy="6858000"/>
   <p:notesSz cx="6858000" cy="9144000"/>
@@ -1145,7 +1147,7 @@
           <a:p>
             <a:fld id="{1517B3F8-5D3A-4DCA-BB6F-6738B7F70350}" type="datetimeFigureOut">
               <a:rPr lang="pl-PL" smtClean="0"/>
-              <a:t>27.01.2022</a:t>
+              <a:t>31.01.2022</a:t>
             </a:fld>
             <a:endParaRPr lang="pl-PL"/>
           </a:p>
@@ -6299,11 +6301,11 @@
   <p:clrMapOvr>
     <a:masterClrMapping/>
   </p:clrMapOvr>
-  <mc:AlternateContent xmlns:mc="http://schemas.openxmlformats.org/markup-compatibility/2006">
-    <mc:Choice xmlns:p14="http://schemas.microsoft.com/office/powerpoint/2010/main" Requires="p14">
+  <mc:AlternateContent xmlns:mc="http://schemas.openxmlformats.org/markup-compatibility/2006" xmlns:p14="http://schemas.microsoft.com/office/powerpoint/2010/main">
+    <mc:Choice Requires="p14">
       <p:transition p14:dur="0"/>
     </mc:Choice>
-    <mc:Fallback>
+    <mc:Fallback xmlns="">
       <p:transition/>
     </mc:Fallback>
   </mc:AlternateContent>
@@ -6378,29 +6380,20 @@
               <a:buAutoNum type="arabicPeriod"/>
             </a:pPr>
             <a:r>
+              <a:rPr lang="pl-PL" sz="1800" u="none" strike="noStrike">
+                <a:effectLst/>
+                <a:latin typeface="Arial" panose="020B0604020202020204" pitchFamily="34" charset="0"/>
+                <a:ea typeface="Arial" panose="020B0604020202020204" pitchFamily="34" charset="0"/>
+              </a:rPr>
+              <a:t>Monitorowanie </a:t>
+            </a:r>
+            <a:r>
               <a:rPr lang="pl-PL" sz="1800" u="none" strike="noStrike" dirty="0">
                 <a:effectLst/>
                 <a:latin typeface="Arial" panose="020B0604020202020204" pitchFamily="34" charset="0"/>
                 <a:ea typeface="Arial" panose="020B0604020202020204" pitchFamily="34" charset="0"/>
               </a:rPr>
-              <a:t>Monitorowanie stanu zapełnienia parkingu i nie wpuszczanie nowych użytkowników jeśli jest pełny.</a:t>
-            </a:r>
-          </a:p>
-          <a:p>
-            <a:pPr marL="342900" lvl="0" indent="-342900" algn="just">
-              <a:lnSpc>
-                <a:spcPct val="115000"/>
-              </a:lnSpc>
-              <a:buFont typeface="+mj-lt"/>
-              <a:buAutoNum type="arabicPeriod"/>
-            </a:pPr>
-            <a:r>
-              <a:rPr lang="pl-PL" sz="1800" u="none" strike="noStrike" dirty="0">
-                <a:effectLst/>
-                <a:latin typeface="Arial" panose="020B0604020202020204" pitchFamily="34" charset="0"/>
-                <a:ea typeface="Arial" panose="020B0604020202020204" pitchFamily="34" charset="0"/>
-              </a:rPr>
-              <a:t>Monitorowanie wjazdów i wyjazdów z parkingu przy pomocy czytników kart RFID.</a:t>
+              <a:t>wjazdów i wyjazdów z parkingu przy pomocy czytników kart RFID.</a:t>
             </a:r>
           </a:p>
           <a:p>
@@ -6596,11 +6589,11 @@
   <p:clrMapOvr>
     <a:masterClrMapping/>
   </p:clrMapOvr>
-  <mc:AlternateContent xmlns:mc="http://schemas.openxmlformats.org/markup-compatibility/2006">
-    <mc:Choice xmlns:p14="http://schemas.microsoft.com/office/powerpoint/2010/main" Requires="p14">
+  <mc:AlternateContent xmlns:mc="http://schemas.openxmlformats.org/markup-compatibility/2006" xmlns:p14="http://schemas.microsoft.com/office/powerpoint/2010/main">
+    <mc:Choice Requires="p14">
       <p:transition p14:dur="0"/>
     </mc:Choice>
-    <mc:Fallback>
+    <mc:Fallback xmlns="">
       <p:transition/>
     </mc:Fallback>
   </mc:AlternateContent>
@@ -6859,11 +6852,11 @@
   <p:clrMapOvr>
     <a:masterClrMapping/>
   </p:clrMapOvr>
-  <mc:AlternateContent xmlns:mc="http://schemas.openxmlformats.org/markup-compatibility/2006">
-    <mc:Choice xmlns:p14="http://schemas.microsoft.com/office/powerpoint/2010/main" Requires="p14">
+  <mc:AlternateContent xmlns:mc="http://schemas.openxmlformats.org/markup-compatibility/2006" xmlns:p14="http://schemas.microsoft.com/office/powerpoint/2010/main">
+    <mc:Choice Requires="p14">
       <p:transition p14:dur="0"/>
     </mc:Choice>
-    <mc:Fallback>
+    <mc:Fallback xmlns="">
       <p:transition/>
     </mc:Fallback>
   </mc:AlternateContent>
@@ -7357,11 +7350,11 @@
   <p:clrMapOvr>
     <a:masterClrMapping/>
   </p:clrMapOvr>
-  <mc:AlternateContent xmlns:mc="http://schemas.openxmlformats.org/markup-compatibility/2006">
-    <mc:Choice xmlns:p14="http://schemas.microsoft.com/office/powerpoint/2010/main" Requires="p14">
+  <mc:AlternateContent xmlns:mc="http://schemas.openxmlformats.org/markup-compatibility/2006" xmlns:p14="http://schemas.microsoft.com/office/powerpoint/2010/main">
+    <mc:Choice Requires="p14">
       <p:transition p14:dur="0"/>
     </mc:Choice>
-    <mc:Fallback>
+    <mc:Fallback xmlns="">
       <p:transition/>
     </mc:Fallback>
   </mc:AlternateContent>
@@ -7369,6 +7362,208 @@
 </file>
 
 <file path=ppt/slides/slide6.xml><?xml version="1.0" encoding="utf-8"?>
+<p:sld xmlns:a="http://schemas.openxmlformats.org/drawingml/2006/main" xmlns:r="http://schemas.openxmlformats.org/officeDocument/2006/relationships" xmlns:p="http://schemas.openxmlformats.org/presentationml/2006/main">
+  <p:cSld>
+    <p:spTree>
+      <p:nvGrpSpPr>
+        <p:cNvPr id="1" name=""/>
+        <p:cNvGrpSpPr/>
+        <p:nvPr/>
+      </p:nvGrpSpPr>
+      <p:grpSpPr>
+        <a:xfrm>
+          <a:off x="0" y="0"/>
+          <a:ext cx="0" cy="0"/>
+          <a:chOff x="0" y="0"/>
+          <a:chExt cx="0" cy="0"/>
+        </a:xfrm>
+      </p:grpSpPr>
+      <p:pic>
+        <p:nvPicPr>
+          <p:cNvPr id="5" name="Obraz 4">
+            <a:extLst>
+              <a:ext uri="{FF2B5EF4-FFF2-40B4-BE49-F238E27FC236}">
+                <a16:creationId xmlns:a16="http://schemas.microsoft.com/office/drawing/2014/main" id="{06FB80CB-2A5A-4156-A8EC-7F260469EAB1}"/>
+              </a:ext>
+            </a:extLst>
+          </p:cNvPr>
+          <p:cNvPicPr>
+            <a:picLocks noChangeAspect="1"/>
+          </p:cNvPicPr>
+          <p:nvPr/>
+        </p:nvPicPr>
+        <p:blipFill>
+          <a:blip r:embed="rId2"/>
+          <a:stretch>
+            <a:fillRect/>
+          </a:stretch>
+        </p:blipFill>
+        <p:spPr>
+          <a:xfrm>
+            <a:off x="2569008" y="1474470"/>
+            <a:ext cx="7534275" cy="3909060"/>
+          </a:xfrm>
+          <a:prstGeom prst="rect">
+            <a:avLst/>
+          </a:prstGeom>
+        </p:spPr>
+      </p:pic>
+      <p:sp>
+        <p:nvSpPr>
+          <p:cNvPr id="6" name="pole tekstowe 5">
+            <a:extLst>
+              <a:ext uri="{FF2B5EF4-FFF2-40B4-BE49-F238E27FC236}">
+                <a16:creationId xmlns:a16="http://schemas.microsoft.com/office/drawing/2014/main" id="{1BB90109-7804-4D83-BDEC-09FCD505BC00}"/>
+              </a:ext>
+            </a:extLst>
+          </p:cNvPr>
+          <p:cNvSpPr txBox="1"/>
+          <p:nvPr/>
+        </p:nvSpPr>
+        <p:spPr>
+          <a:xfrm>
+            <a:off x="3392018" y="887201"/>
+            <a:ext cx="6057900" cy="369332"/>
+          </a:xfrm>
+          <a:prstGeom prst="rect">
+            <a:avLst/>
+          </a:prstGeom>
+          <a:noFill/>
+        </p:spPr>
+        <p:txBody>
+          <a:bodyPr wrap="square" rtlCol="0">
+            <a:spAutoFit/>
+          </a:bodyPr>
+          <a:lstStyle/>
+          <a:p>
+            <a:pPr algn="ctr"/>
+            <a:r>
+              <a:rPr lang="pl-PL"/>
+              <a:t>Diagram rozmieszczenia UML</a:t>
+            </a:r>
+          </a:p>
+        </p:txBody>
+      </p:sp>
+    </p:spTree>
+    <p:extLst>
+      <p:ext uri="{BB962C8B-B14F-4D97-AF65-F5344CB8AC3E}">
+        <p14:creationId xmlns:p14="http://schemas.microsoft.com/office/powerpoint/2010/main" val="2581568987"/>
+      </p:ext>
+    </p:extLst>
+  </p:cSld>
+  <p:clrMapOvr>
+    <a:masterClrMapping/>
+  </p:clrMapOvr>
+  <p:transition>
+    <p:randomBar/>
+  </p:transition>
+</p:sld>
+</file>
+
+<file path=ppt/slides/slide7.xml><?xml version="1.0" encoding="utf-8"?>
+<p:sld xmlns:a="http://schemas.openxmlformats.org/drawingml/2006/main" xmlns:r="http://schemas.openxmlformats.org/officeDocument/2006/relationships" xmlns:p="http://schemas.openxmlformats.org/presentationml/2006/main">
+  <p:cSld>
+    <p:spTree>
+      <p:nvGrpSpPr>
+        <p:cNvPr id="1" name=""/>
+        <p:cNvGrpSpPr/>
+        <p:nvPr/>
+      </p:nvGrpSpPr>
+      <p:grpSpPr>
+        <a:xfrm>
+          <a:off x="0" y="0"/>
+          <a:ext cx="0" cy="0"/>
+          <a:chOff x="0" y="0"/>
+          <a:chExt cx="0" cy="0"/>
+        </a:xfrm>
+      </p:grpSpPr>
+      <p:pic>
+        <p:nvPicPr>
+          <p:cNvPr id="5" name="image14.png">
+            <a:extLst>
+              <a:ext uri="{FF2B5EF4-FFF2-40B4-BE49-F238E27FC236}">
+                <a16:creationId xmlns:a16="http://schemas.microsoft.com/office/drawing/2014/main" id="{54F93F93-ABCB-4CDE-80D2-BBB75CFE2EC4}"/>
+              </a:ext>
+            </a:extLst>
+          </p:cNvPr>
+          <p:cNvPicPr>
+            <a:picLocks noGrp="1"/>
+          </p:cNvPicPr>
+          <p:nvPr>
+            <p:ph sz="half" idx="1"/>
+          </p:nvPr>
+        </p:nvPicPr>
+        <p:blipFill>
+          <a:blip r:embed="rId2"/>
+          <a:srcRect/>
+          <a:stretch>
+            <a:fillRect/>
+          </a:stretch>
+        </p:blipFill>
+        <p:spPr>
+          <a:xfrm>
+            <a:off x="3375240" y="1165851"/>
+            <a:ext cx="6057900" cy="4962525"/>
+          </a:xfrm>
+          <a:prstGeom prst="rect">
+            <a:avLst/>
+          </a:prstGeom>
+          <a:ln/>
+        </p:spPr>
+      </p:pic>
+      <p:sp>
+        <p:nvSpPr>
+          <p:cNvPr id="6" name="pole tekstowe 5">
+            <a:extLst>
+              <a:ext uri="{FF2B5EF4-FFF2-40B4-BE49-F238E27FC236}">
+                <a16:creationId xmlns:a16="http://schemas.microsoft.com/office/drawing/2014/main" id="{7BBE9883-841B-48A0-9948-A34A1F6D3A4D}"/>
+              </a:ext>
+            </a:extLst>
+          </p:cNvPr>
+          <p:cNvSpPr txBox="1"/>
+          <p:nvPr/>
+        </p:nvSpPr>
+        <p:spPr>
+          <a:xfrm>
+            <a:off x="3375240" y="593586"/>
+            <a:ext cx="6057900" cy="369332"/>
+          </a:xfrm>
+          <a:prstGeom prst="rect">
+            <a:avLst/>
+          </a:prstGeom>
+          <a:noFill/>
+        </p:spPr>
+        <p:txBody>
+          <a:bodyPr wrap="square" rtlCol="0">
+            <a:spAutoFit/>
+          </a:bodyPr>
+          <a:lstStyle/>
+          <a:p>
+            <a:pPr algn="ctr"/>
+            <a:r>
+              <a:rPr lang="pl-PL"/>
+              <a:t>Schemat bazy danych</a:t>
+            </a:r>
+          </a:p>
+        </p:txBody>
+      </p:sp>
+    </p:spTree>
+    <p:extLst>
+      <p:ext uri="{BB962C8B-B14F-4D97-AF65-F5344CB8AC3E}">
+        <p14:creationId xmlns:p14="http://schemas.microsoft.com/office/powerpoint/2010/main" val="785138123"/>
+      </p:ext>
+    </p:extLst>
+  </p:cSld>
+  <p:clrMapOvr>
+    <a:masterClrMapping/>
+  </p:clrMapOvr>
+  <p:transition>
+    <p:randomBar/>
+  </p:transition>
+</p:sld>
+</file>
+
+<file path=ppt/slides/slide8.xml><?xml version="1.0" encoding="utf-8"?>
 <p:sld xmlns:a="http://schemas.openxmlformats.org/drawingml/2006/main" xmlns:r="http://schemas.openxmlformats.org/officeDocument/2006/relationships" xmlns:p="http://schemas.openxmlformats.org/presentationml/2006/main">
   <p:cSld>
     <p:spTree>
